--- a/speaker-poster/ppt/Annie Talvasto.pptx
+++ b/speaker-poster/ppt/Annie Talvasto.pptx
@@ -261,7 +261,7 @@
           <a:p>
             <a:fld id="{4734258E-F4BA-40A9-ADC0-291CE1545D60}" type="datetimeFigureOut">
               <a:rPr lang="en-IN" smtClean="0"/>
-              <a:t>22-08-2021</a:t>
+              <a:t>26-08-2021</a:t>
             </a:fld>
             <a:endParaRPr lang="en-IN"/>
           </a:p>
@@ -461,7 +461,7 @@
           <a:p>
             <a:fld id="{4734258E-F4BA-40A9-ADC0-291CE1545D60}" type="datetimeFigureOut">
               <a:rPr lang="en-IN" smtClean="0"/>
-              <a:t>22-08-2021</a:t>
+              <a:t>26-08-2021</a:t>
             </a:fld>
             <a:endParaRPr lang="en-IN"/>
           </a:p>
@@ -671,7 +671,7 @@
           <a:p>
             <a:fld id="{4734258E-F4BA-40A9-ADC0-291CE1545D60}" type="datetimeFigureOut">
               <a:rPr lang="en-IN" smtClean="0"/>
-              <a:t>22-08-2021</a:t>
+              <a:t>26-08-2021</a:t>
             </a:fld>
             <a:endParaRPr lang="en-IN"/>
           </a:p>
@@ -871,7 +871,7 @@
           <a:p>
             <a:fld id="{4734258E-F4BA-40A9-ADC0-291CE1545D60}" type="datetimeFigureOut">
               <a:rPr lang="en-IN" smtClean="0"/>
-              <a:t>22-08-2021</a:t>
+              <a:t>26-08-2021</a:t>
             </a:fld>
             <a:endParaRPr lang="en-IN"/>
           </a:p>
@@ -1147,7 +1147,7 @@
           <a:p>
             <a:fld id="{4734258E-F4BA-40A9-ADC0-291CE1545D60}" type="datetimeFigureOut">
               <a:rPr lang="en-IN" smtClean="0"/>
-              <a:t>22-08-2021</a:t>
+              <a:t>26-08-2021</a:t>
             </a:fld>
             <a:endParaRPr lang="en-IN"/>
           </a:p>
@@ -1415,7 +1415,7 @@
           <a:p>
             <a:fld id="{4734258E-F4BA-40A9-ADC0-291CE1545D60}" type="datetimeFigureOut">
               <a:rPr lang="en-IN" smtClean="0"/>
-              <a:t>22-08-2021</a:t>
+              <a:t>26-08-2021</a:t>
             </a:fld>
             <a:endParaRPr lang="en-IN"/>
           </a:p>
@@ -1830,7 +1830,7 @@
           <a:p>
             <a:fld id="{4734258E-F4BA-40A9-ADC0-291CE1545D60}" type="datetimeFigureOut">
               <a:rPr lang="en-IN" smtClean="0"/>
-              <a:t>22-08-2021</a:t>
+              <a:t>26-08-2021</a:t>
             </a:fld>
             <a:endParaRPr lang="en-IN"/>
           </a:p>
@@ -1972,7 +1972,7 @@
           <a:p>
             <a:fld id="{4734258E-F4BA-40A9-ADC0-291CE1545D60}" type="datetimeFigureOut">
               <a:rPr lang="en-IN" smtClean="0"/>
-              <a:t>22-08-2021</a:t>
+              <a:t>26-08-2021</a:t>
             </a:fld>
             <a:endParaRPr lang="en-IN"/>
           </a:p>
@@ -2085,7 +2085,7 @@
           <a:p>
             <a:fld id="{4734258E-F4BA-40A9-ADC0-291CE1545D60}" type="datetimeFigureOut">
               <a:rPr lang="en-IN" smtClean="0"/>
-              <a:t>22-08-2021</a:t>
+              <a:t>26-08-2021</a:t>
             </a:fld>
             <a:endParaRPr lang="en-IN"/>
           </a:p>
@@ -2398,7 +2398,7 @@
           <a:p>
             <a:fld id="{4734258E-F4BA-40A9-ADC0-291CE1545D60}" type="datetimeFigureOut">
               <a:rPr lang="en-IN" smtClean="0"/>
-              <a:t>22-08-2021</a:t>
+              <a:t>26-08-2021</a:t>
             </a:fld>
             <a:endParaRPr lang="en-IN"/>
           </a:p>
@@ -2687,7 +2687,7 @@
           <a:p>
             <a:fld id="{4734258E-F4BA-40A9-ADC0-291CE1545D60}" type="datetimeFigureOut">
               <a:rPr lang="en-IN" smtClean="0"/>
-              <a:t>22-08-2021</a:t>
+              <a:t>26-08-2021</a:t>
             </a:fld>
             <a:endParaRPr lang="en-IN"/>
           </a:p>
@@ -2930,7 +2930,7 @@
           <a:p>
             <a:fld id="{4734258E-F4BA-40A9-ADC0-291CE1545D60}" type="datetimeFigureOut">
               <a:rPr lang="en-IN" smtClean="0"/>
-              <a:t>22-08-2021</a:t>
+              <a:t>26-08-2021</a:t>
             </a:fld>
             <a:endParaRPr lang="en-IN"/>
           </a:p>
@@ -3647,7 +3647,7 @@
           <a:lstStyle/>
           <a:p>
             <a:r>
-              <a:rPr lang="en-US" sz="1050" dirty="0">
+              <a:rPr lang="en-US" sz="1050" dirty="0" err="1">
                 <a:solidFill>
                   <a:schemeClr val="tx1">
                     <a:lumMod val="50000"/>
@@ -3953,7 +3953,15 @@
                   <a:schemeClr val="bg1"/>
                 </a:solidFill>
               </a:rPr>
-              <a:t>Annie Talvasto</a:t>
+              <a:t>Annie </a:t>
+            </a:r>
+            <a:r>
+              <a:rPr lang="en-US" sz="4400" b="1" dirty="0" err="1">
+                <a:solidFill>
+                  <a:schemeClr val="bg1"/>
+                </a:solidFill>
+              </a:rPr>
+              <a:t>Talvasto</a:t>
             </a:r>
             <a:endParaRPr lang="en-IN" sz="3200" b="1" dirty="0">
               <a:solidFill>
